--- a/iOS-BD-Architecture.pptx
+++ b/iOS-BD-Architecture.pptx
@@ -5268,7 +5268,7 @@
           <a:p>
             <a:fld id="{596F132A-66E1-4B45-8AE4-6721E79FFE50}" type="datetimeFigureOut">
               <a:rPr lang="en-US" smtClean="0"/>
-              <a:t>5/17/2020</a:t>
+              <a:t>5/23/2020</a:t>
             </a:fld>
             <a:endParaRPr lang="en-US"/>
           </a:p>
@@ -5438,7 +5438,7 @@
           <a:p>
             <a:fld id="{596F132A-66E1-4B45-8AE4-6721E79FFE50}" type="datetimeFigureOut">
               <a:rPr lang="en-US" smtClean="0"/>
-              <a:t>5/17/2020</a:t>
+              <a:t>5/23/2020</a:t>
             </a:fld>
             <a:endParaRPr lang="en-US"/>
           </a:p>
@@ -5618,7 +5618,7 @@
           <a:p>
             <a:fld id="{596F132A-66E1-4B45-8AE4-6721E79FFE50}" type="datetimeFigureOut">
               <a:rPr lang="en-US" smtClean="0"/>
-              <a:t>5/17/2020</a:t>
+              <a:t>5/23/2020</a:t>
             </a:fld>
             <a:endParaRPr lang="en-US"/>
           </a:p>
@@ -5788,7 +5788,7 @@
           <a:p>
             <a:fld id="{596F132A-66E1-4B45-8AE4-6721E79FFE50}" type="datetimeFigureOut">
               <a:rPr lang="en-US" smtClean="0"/>
-              <a:t>5/17/2020</a:t>
+              <a:t>5/23/2020</a:t>
             </a:fld>
             <a:endParaRPr lang="en-US"/>
           </a:p>
@@ -6034,7 +6034,7 @@
           <a:p>
             <a:fld id="{596F132A-66E1-4B45-8AE4-6721E79FFE50}" type="datetimeFigureOut">
               <a:rPr lang="en-US" smtClean="0"/>
-              <a:t>5/17/2020</a:t>
+              <a:t>5/23/2020</a:t>
             </a:fld>
             <a:endParaRPr lang="en-US"/>
           </a:p>
@@ -6266,7 +6266,7 @@
           <a:p>
             <a:fld id="{596F132A-66E1-4B45-8AE4-6721E79FFE50}" type="datetimeFigureOut">
               <a:rPr lang="en-US" smtClean="0"/>
-              <a:t>5/17/2020</a:t>
+              <a:t>5/23/2020</a:t>
             </a:fld>
             <a:endParaRPr lang="en-US"/>
           </a:p>
@@ -6633,7 +6633,7 @@
           <a:p>
             <a:fld id="{596F132A-66E1-4B45-8AE4-6721E79FFE50}" type="datetimeFigureOut">
               <a:rPr lang="en-US" smtClean="0"/>
-              <a:t>5/17/2020</a:t>
+              <a:t>5/23/2020</a:t>
             </a:fld>
             <a:endParaRPr lang="en-US"/>
           </a:p>
@@ -6751,7 +6751,7 @@
           <a:p>
             <a:fld id="{596F132A-66E1-4B45-8AE4-6721E79FFE50}" type="datetimeFigureOut">
               <a:rPr lang="en-US" smtClean="0"/>
-              <a:t>5/17/2020</a:t>
+              <a:t>5/23/2020</a:t>
             </a:fld>
             <a:endParaRPr lang="en-US"/>
           </a:p>
@@ -6846,7 +6846,7 @@
           <a:p>
             <a:fld id="{596F132A-66E1-4B45-8AE4-6721E79FFE50}" type="datetimeFigureOut">
               <a:rPr lang="en-US" smtClean="0"/>
-              <a:t>5/17/2020</a:t>
+              <a:t>5/23/2020</a:t>
             </a:fld>
             <a:endParaRPr lang="en-US"/>
           </a:p>
@@ -7123,7 +7123,7 @@
           <a:p>
             <a:fld id="{596F132A-66E1-4B45-8AE4-6721E79FFE50}" type="datetimeFigureOut">
               <a:rPr lang="en-US" smtClean="0"/>
-              <a:t>5/17/2020</a:t>
+              <a:t>5/23/2020</a:t>
             </a:fld>
             <a:endParaRPr lang="en-US"/>
           </a:p>
@@ -7380,7 +7380,7 @@
           <a:p>
             <a:fld id="{596F132A-66E1-4B45-8AE4-6721E79FFE50}" type="datetimeFigureOut">
               <a:rPr lang="en-US" smtClean="0"/>
-              <a:t>5/17/2020</a:t>
+              <a:t>5/23/2020</a:t>
             </a:fld>
             <a:endParaRPr lang="en-US"/>
           </a:p>
@@ -7593,7 +7593,7 @@
           <a:p>
             <a:fld id="{596F132A-66E1-4B45-8AE4-6721E79FFE50}" type="datetimeFigureOut">
               <a:rPr lang="en-US" smtClean="0"/>
-              <a:t>5/17/2020</a:t>
+              <a:t>5/23/2020</a:t>
             </a:fld>
             <a:endParaRPr lang="en-US"/>
           </a:p>
@@ -8057,11 +8057,6 @@
               </a:rPr>
               <a:t>HANDLER</a:t>
             </a:r>
-            <a:endParaRPr lang="en-US" sz="2000">
-              <a:solidFill>
-                <a:schemeClr val="tx1"/>
-              </a:solidFill>
-            </a:endParaRPr>
           </a:p>
         </p:txBody>
       </p:sp>
@@ -8316,11 +8311,6 @@
               </a:rPr>
               <a:t>API</a:t>
             </a:r>
-            <a:endParaRPr lang="en-US" sz="2000">
-              <a:solidFill>
-                <a:schemeClr val="tx1"/>
-              </a:solidFill>
-            </a:endParaRPr>
           </a:p>
         </p:txBody>
       </p:sp>
@@ -8366,11 +8356,6 @@
               </a:rPr>
               <a:t>LOCAL DATA</a:t>
             </a:r>
-            <a:endParaRPr lang="en-US" sz="2000">
-              <a:solidFill>
-                <a:schemeClr val="tx1"/>
-              </a:solidFill>
-            </a:endParaRPr>
           </a:p>
         </p:txBody>
       </p:sp>
@@ -8507,11 +8492,6 @@
               </a:rPr>
               <a:t>=&gt; State</a:t>
             </a:r>
-            <a:endParaRPr lang="en-US" sz="1400" b="1">
-              <a:solidFill>
-                <a:schemeClr val="tx1"/>
-              </a:solidFill>
-            </a:endParaRPr>
           </a:p>
         </p:txBody>
       </p:sp>
@@ -8568,11 +8548,6 @@
               </a:rPr>
               <a:t>=&gt; Log</a:t>
             </a:r>
-            <a:endParaRPr lang="en-US" sz="1400" b="1">
-              <a:solidFill>
-                <a:schemeClr val="tx1"/>
-              </a:solidFill>
-            </a:endParaRPr>
           </a:p>
         </p:txBody>
       </p:sp>
@@ -8733,7 +8708,6 @@
               <a:rPr lang="en-US" sz="1600" i="1"/>
               <a:t>.handle(behavior: ) =&gt; void</a:t>
             </a:r>
-            <a:endParaRPr lang="en-US" sz="1600" i="1"/>
           </a:p>
         </p:txBody>
       </p:sp>
@@ -9094,7 +9068,6 @@
                 <a:rPr lang="en-US"/>
                 <a:t>Solution</a:t>
               </a:r>
-              <a:endParaRPr lang="en-US"/>
             </a:p>
           </p:txBody>
         </p:sp>
@@ -9124,7 +9097,6 @@
                 <a:rPr lang="en-US"/>
                 <a:t>Functional</a:t>
               </a:r>
-              <a:endParaRPr lang="en-US"/>
             </a:p>
           </p:txBody>
         </p:sp>
@@ -9154,7 +9126,6 @@
                 <a:rPr lang="en-US"/>
                 <a:t>Lead</a:t>
               </a:r>
-              <a:endParaRPr lang="en-US"/>
             </a:p>
           </p:txBody>
         </p:sp>
@@ -9184,7 +9155,6 @@
                 <a:rPr lang="en-US"/>
                 <a:t>Dev</a:t>
               </a:r>
-              <a:endParaRPr lang="en-US"/>
             </a:p>
           </p:txBody>
         </p:sp>
@@ -9214,7 +9184,6 @@
                 <a:rPr lang="en-US"/>
                 <a:t>User</a:t>
               </a:r>
-              <a:endParaRPr lang="en-US"/>
             </a:p>
           </p:txBody>
         </p:sp>
@@ -9398,11 +9367,6 @@
                 </a:rPr>
                 <a:t>product</a:t>
               </a:r>
-              <a:endParaRPr lang="en-US" b="1">
-                <a:solidFill>
-                  <a:schemeClr val="accent2"/>
-                </a:solidFill>
-              </a:endParaRPr>
             </a:p>
           </p:txBody>
         </p:sp>
@@ -9436,11 +9400,6 @@
                 </a:rPr>
                 <a:t>request</a:t>
               </a:r>
-              <a:endParaRPr lang="en-US" b="1">
-                <a:solidFill>
-                  <a:srgbClr val="00B050"/>
-                </a:solidFill>
-              </a:endParaRPr>
             </a:p>
           </p:txBody>
         </p:sp>
@@ -9474,11 +9433,6 @@
                 </a:rPr>
                 <a:t>function</a:t>
               </a:r>
-              <a:endParaRPr lang="en-US" b="1">
-                <a:solidFill>
-                  <a:srgbClr val="00B050"/>
-                </a:solidFill>
-              </a:endParaRPr>
             </a:p>
           </p:txBody>
         </p:sp>
@@ -9512,11 +9466,6 @@
                 </a:rPr>
                 <a:t>architecture</a:t>
               </a:r>
-              <a:endParaRPr lang="en-US" b="1">
-                <a:solidFill>
-                  <a:srgbClr val="00B050"/>
-                </a:solidFill>
-              </a:endParaRPr>
             </a:p>
           </p:txBody>
         </p:sp>
@@ -9550,11 +9499,6 @@
                 </a:rPr>
                 <a:t>code</a:t>
               </a:r>
-              <a:endParaRPr lang="en-US" b="1">
-                <a:solidFill>
-                  <a:srgbClr val="00B050"/>
-                </a:solidFill>
-              </a:endParaRPr>
             </a:p>
           </p:txBody>
         </p:sp>
@@ -9589,11 +9533,6 @@
                 </a:rPr>
                 <a:t>plan</a:t>
               </a:r>
-              <a:endParaRPr lang="en-US" b="1">
-                <a:solidFill>
-                  <a:srgbClr val="00B050"/>
-                </a:solidFill>
-              </a:endParaRPr>
             </a:p>
           </p:txBody>
         </p:sp>
@@ -12853,11 +12792,6 @@
               </a:rPr>
               <a:t>business_func_1()</a:t>
             </a:r>
-            <a:endParaRPr lang="en-US">
-              <a:solidFill>
-                <a:schemeClr val="tx1"/>
-              </a:solidFill>
-            </a:endParaRPr>
           </a:p>
         </p:txBody>
       </p:sp>
@@ -12909,29 +12843,8 @@
                   <a:schemeClr val="tx1"/>
                 </a:solidFill>
               </a:rPr>
-              <a:t>utility_</a:t>
+              <a:t>utility_func_1()</a:t>
             </a:r>
-            <a:r>
-              <a:rPr lang="en-US">
-                <a:solidFill>
-                  <a:schemeClr val="tx1"/>
-                </a:solidFill>
-              </a:rPr>
-              <a:t>func</a:t>
-            </a:r>
-            <a:r>
-              <a:rPr lang="en-US">
-                <a:solidFill>
-                  <a:schemeClr val="tx1"/>
-                </a:solidFill>
-              </a:rPr>
-              <a:t>_1()</a:t>
-            </a:r>
-            <a:endParaRPr lang="en-US">
-              <a:solidFill>
-                <a:schemeClr val="tx1"/>
-              </a:solidFill>
-            </a:endParaRPr>
           </a:p>
         </p:txBody>
       </p:sp>
@@ -12983,29 +12896,8 @@
                   <a:schemeClr val="tx1"/>
                 </a:solidFill>
               </a:rPr>
-              <a:t>utility_</a:t>
+              <a:t>utility_func_2()</a:t>
             </a:r>
-            <a:r>
-              <a:rPr lang="en-US">
-                <a:solidFill>
-                  <a:schemeClr val="tx1"/>
-                </a:solidFill>
-              </a:rPr>
-              <a:t>func</a:t>
-            </a:r>
-            <a:r>
-              <a:rPr lang="en-US">
-                <a:solidFill>
-                  <a:schemeClr val="tx1"/>
-                </a:solidFill>
-              </a:rPr>
-              <a:t>_2()</a:t>
-            </a:r>
-            <a:endParaRPr lang="en-US">
-              <a:solidFill>
-                <a:schemeClr val="tx1"/>
-              </a:solidFill>
-            </a:endParaRPr>
           </a:p>
         </p:txBody>
       </p:sp>
@@ -13057,29 +12949,8 @@
                   <a:schemeClr val="tx1"/>
                 </a:solidFill>
               </a:rPr>
-              <a:t>utility_</a:t>
+              <a:t>utility_func_3()</a:t>
             </a:r>
-            <a:r>
-              <a:rPr lang="en-US">
-                <a:solidFill>
-                  <a:schemeClr val="tx1"/>
-                </a:solidFill>
-              </a:rPr>
-              <a:t>func</a:t>
-            </a:r>
-            <a:r>
-              <a:rPr lang="en-US">
-                <a:solidFill>
-                  <a:schemeClr val="tx1"/>
-                </a:solidFill>
-              </a:rPr>
-              <a:t>_3()</a:t>
-            </a:r>
-            <a:endParaRPr lang="en-US">
-              <a:solidFill>
-                <a:schemeClr val="tx1"/>
-              </a:solidFill>
-            </a:endParaRPr>
           </a:p>
         </p:txBody>
       </p:sp>
@@ -13131,29 +13002,8 @@
                   <a:schemeClr val="tx1"/>
                 </a:solidFill>
               </a:rPr>
-              <a:t>utility_</a:t>
+              <a:t>utility_func_4()</a:t>
             </a:r>
-            <a:r>
-              <a:rPr lang="en-US">
-                <a:solidFill>
-                  <a:schemeClr val="tx1"/>
-                </a:solidFill>
-              </a:rPr>
-              <a:t>func</a:t>
-            </a:r>
-            <a:r>
-              <a:rPr lang="en-US">
-                <a:solidFill>
-                  <a:schemeClr val="tx1"/>
-                </a:solidFill>
-              </a:rPr>
-              <a:t>_4()</a:t>
-            </a:r>
-            <a:endParaRPr lang="en-US">
-              <a:solidFill>
-                <a:schemeClr val="tx1"/>
-              </a:solidFill>
-            </a:endParaRPr>
           </a:p>
         </p:txBody>
       </p:sp>
@@ -13205,29 +13055,8 @@
                   <a:schemeClr val="tx1"/>
                 </a:solidFill>
               </a:rPr>
-              <a:t>utility_</a:t>
+              <a:t>utility_func_5()</a:t>
             </a:r>
-            <a:r>
-              <a:rPr lang="en-US">
-                <a:solidFill>
-                  <a:schemeClr val="tx1"/>
-                </a:solidFill>
-              </a:rPr>
-              <a:t>func</a:t>
-            </a:r>
-            <a:r>
-              <a:rPr lang="en-US">
-                <a:solidFill>
-                  <a:schemeClr val="tx1"/>
-                </a:solidFill>
-              </a:rPr>
-              <a:t>_5()</a:t>
-            </a:r>
-            <a:endParaRPr lang="en-US">
-              <a:solidFill>
-                <a:schemeClr val="tx1"/>
-              </a:solidFill>
-            </a:endParaRPr>
           </a:p>
         </p:txBody>
       </p:sp>

--- a/iOS-BD-Architecture.pptx
+++ b/iOS-BD-Architecture.pptx
@@ -114,6 +114,1582 @@
     </p:ext>
   </p:extLst>
 </p:presentation>
+</file>
+
+<file path=ppt/charts/chart1.xml><?xml version="1.0" encoding="utf-8"?>
+<c:chartSpace xmlns:c="http://schemas.openxmlformats.org/drawingml/2006/chart" xmlns:a="http://schemas.openxmlformats.org/drawingml/2006/main" xmlns:r="http://schemas.openxmlformats.org/officeDocument/2006/relationships" xmlns:c16r2="http://schemas.microsoft.com/office/drawing/2015/06/chart">
+  <c:date1904 val="0"/>
+  <c:lang val="en-US"/>
+  <c:roundedCorners val="0"/>
+  <mc:AlternateContent xmlns:mc="http://schemas.openxmlformats.org/markup-compatibility/2006">
+    <mc:Choice xmlns:c14="http://schemas.microsoft.com/office/drawing/2007/8/2/chart" Requires="c14">
+      <c14:style val="102"/>
+    </mc:Choice>
+    <mc:Fallback>
+      <c:style val="2"/>
+    </mc:Fallback>
+  </mc:AlternateContent>
+  <c:chart>
+    <c:autoTitleDeleted val="1"/>
+    <c:plotArea>
+      <c:layout/>
+      <c:pieChart>
+        <c:varyColors val="1"/>
+        <c:ser>
+          <c:idx val="0"/>
+          <c:order val="0"/>
+          <c:tx>
+            <c:strRef>
+              <c:f>Sheet1!$B$1</c:f>
+              <c:strCache>
+                <c:ptCount val="1"/>
+                <c:pt idx="0">
+                  <c:v>Column1</c:v>
+                </c:pt>
+              </c:strCache>
+            </c:strRef>
+          </c:tx>
+          <c:spPr>
+            <a:gradFill flip="none" rotWithShape="1">
+              <a:gsLst>
+                <a:gs pos="0">
+                  <a:schemeClr val="accent2">
+                    <a:lumMod val="0"/>
+                    <a:lumOff val="100000"/>
+                  </a:schemeClr>
+                </a:gs>
+                <a:gs pos="35000">
+                  <a:schemeClr val="accent2">
+                    <a:lumMod val="0"/>
+                    <a:lumOff val="100000"/>
+                  </a:schemeClr>
+                </a:gs>
+                <a:gs pos="100000">
+                  <a:schemeClr val="accent2">
+                    <a:lumMod val="100000"/>
+                  </a:schemeClr>
+                </a:gs>
+              </a:gsLst>
+              <a:path path="circle">
+                <a:fillToRect l="50000" t="-80000" r="50000" b="180000"/>
+              </a:path>
+              <a:tileRect/>
+            </a:gradFill>
+            <a:ln w="63500">
+              <a:solidFill>
+                <a:schemeClr val="bg1"/>
+              </a:solidFill>
+            </a:ln>
+          </c:spPr>
+          <c:dPt>
+            <c:idx val="0"/>
+            <c:bubble3D val="0"/>
+            <c:spPr>
+              <a:gradFill flip="none" rotWithShape="1">
+                <a:gsLst>
+                  <a:gs pos="0">
+                    <a:schemeClr val="accent2">
+                      <a:lumMod val="0"/>
+                      <a:lumOff val="100000"/>
+                    </a:schemeClr>
+                  </a:gs>
+                  <a:gs pos="35000">
+                    <a:schemeClr val="accent2">
+                      <a:lumMod val="0"/>
+                      <a:lumOff val="100000"/>
+                    </a:schemeClr>
+                  </a:gs>
+                  <a:gs pos="100000">
+                    <a:schemeClr val="accent2">
+                      <a:lumMod val="100000"/>
+                    </a:schemeClr>
+                  </a:gs>
+                </a:gsLst>
+                <a:path path="circle">
+                  <a:fillToRect l="50000" t="-80000" r="50000" b="180000"/>
+                </a:path>
+                <a:tileRect/>
+              </a:gradFill>
+              <a:ln w="63500">
+                <a:solidFill>
+                  <a:schemeClr val="bg1"/>
+                </a:solidFill>
+              </a:ln>
+              <a:effectLst/>
+            </c:spPr>
+          </c:dPt>
+          <c:dPt>
+            <c:idx val="1"/>
+            <c:bubble3D val="0"/>
+            <c:spPr>
+              <a:gradFill flip="none" rotWithShape="1">
+                <a:gsLst>
+                  <a:gs pos="0">
+                    <a:schemeClr val="accent2">
+                      <a:lumMod val="0"/>
+                      <a:lumOff val="100000"/>
+                    </a:schemeClr>
+                  </a:gs>
+                  <a:gs pos="35000">
+                    <a:schemeClr val="accent2">
+                      <a:lumMod val="0"/>
+                      <a:lumOff val="100000"/>
+                    </a:schemeClr>
+                  </a:gs>
+                  <a:gs pos="100000">
+                    <a:schemeClr val="accent2">
+                      <a:lumMod val="100000"/>
+                    </a:schemeClr>
+                  </a:gs>
+                </a:gsLst>
+                <a:path path="circle">
+                  <a:fillToRect l="50000" t="-80000" r="50000" b="180000"/>
+                </a:path>
+                <a:tileRect/>
+              </a:gradFill>
+              <a:ln w="63500">
+                <a:solidFill>
+                  <a:schemeClr val="bg1"/>
+                </a:solidFill>
+              </a:ln>
+              <a:effectLst/>
+            </c:spPr>
+          </c:dPt>
+          <c:dPt>
+            <c:idx val="2"/>
+            <c:bubble3D val="0"/>
+            <c:spPr>
+              <a:gradFill flip="none" rotWithShape="1">
+                <a:gsLst>
+                  <a:gs pos="0">
+                    <a:schemeClr val="accent2">
+                      <a:lumMod val="0"/>
+                      <a:lumOff val="100000"/>
+                    </a:schemeClr>
+                  </a:gs>
+                  <a:gs pos="35000">
+                    <a:schemeClr val="accent2">
+                      <a:lumMod val="0"/>
+                      <a:lumOff val="100000"/>
+                    </a:schemeClr>
+                  </a:gs>
+                  <a:gs pos="100000">
+                    <a:schemeClr val="accent2">
+                      <a:lumMod val="100000"/>
+                    </a:schemeClr>
+                  </a:gs>
+                </a:gsLst>
+                <a:path path="circle">
+                  <a:fillToRect l="50000" t="-80000" r="50000" b="180000"/>
+                </a:path>
+                <a:tileRect/>
+              </a:gradFill>
+              <a:ln w="63500">
+                <a:solidFill>
+                  <a:schemeClr val="bg1"/>
+                </a:solidFill>
+              </a:ln>
+              <a:effectLst/>
+            </c:spPr>
+          </c:dPt>
+          <c:dPt>
+            <c:idx val="3"/>
+            <c:bubble3D val="0"/>
+            <c:spPr>
+              <a:gradFill flip="none" rotWithShape="1">
+                <a:gsLst>
+                  <a:gs pos="0">
+                    <a:schemeClr val="accent2">
+                      <a:lumMod val="0"/>
+                      <a:lumOff val="100000"/>
+                    </a:schemeClr>
+                  </a:gs>
+                  <a:gs pos="35000">
+                    <a:schemeClr val="accent2">
+                      <a:lumMod val="0"/>
+                      <a:lumOff val="100000"/>
+                    </a:schemeClr>
+                  </a:gs>
+                  <a:gs pos="100000">
+                    <a:schemeClr val="accent2">
+                      <a:lumMod val="100000"/>
+                    </a:schemeClr>
+                  </a:gs>
+                </a:gsLst>
+                <a:path path="circle">
+                  <a:fillToRect l="50000" t="-80000" r="50000" b="180000"/>
+                </a:path>
+                <a:tileRect/>
+              </a:gradFill>
+              <a:ln w="63500">
+                <a:solidFill>
+                  <a:schemeClr val="bg1"/>
+                </a:solidFill>
+              </a:ln>
+              <a:effectLst/>
+            </c:spPr>
+          </c:dPt>
+          <c:cat>
+            <c:numRef>
+              <c:f>Sheet1!$A$2:$A$5</c:f>
+              <c:numCache>
+                <c:formatCode>General</c:formatCode>
+                <c:ptCount val="4"/>
+              </c:numCache>
+            </c:numRef>
+          </c:cat>
+          <c:val>
+            <c:numRef>
+              <c:f>Sheet1!$B$2:$B$5</c:f>
+              <c:numCache>
+                <c:formatCode>General</c:formatCode>
+                <c:ptCount val="4"/>
+                <c:pt idx="0">
+                  <c:v>25</c:v>
+                </c:pt>
+                <c:pt idx="1">
+                  <c:v>25</c:v>
+                </c:pt>
+                <c:pt idx="2">
+                  <c:v>25</c:v>
+                </c:pt>
+                <c:pt idx="3">
+                  <c:v>25</c:v>
+                </c:pt>
+              </c:numCache>
+            </c:numRef>
+          </c:val>
+          <c:extLst>
+            <c:ext xmlns:c16="http://schemas.microsoft.com/office/drawing/2014/chart" uri="{C3380CC4-5D6E-409C-BE32-E72D297353CC}">
+              <c16:uniqueId val="{00000000-B629-4EBD-BCE6-2AE05BC9BD78}"/>
+            </c:ext>
+          </c:extLst>
+        </c:ser>
+        <c:dLbls>
+          <c:showLegendKey val="0"/>
+          <c:showVal val="0"/>
+          <c:showCatName val="0"/>
+          <c:showSerName val="0"/>
+          <c:showPercent val="0"/>
+          <c:showBubbleSize val="0"/>
+          <c:showLeaderLines val="1"/>
+        </c:dLbls>
+        <c:firstSliceAng val="45"/>
+      </c:pieChart>
+      <c:spPr>
+        <a:noFill/>
+        <a:ln>
+          <a:noFill/>
+        </a:ln>
+        <a:effectLst/>
+      </c:spPr>
+    </c:plotArea>
+    <c:plotVisOnly val="1"/>
+    <c:dispBlanksAs val="gap"/>
+    <c:showDLblsOverMax val="0"/>
+  </c:chart>
+  <c:spPr>
+    <a:noFill/>
+    <a:ln>
+      <a:noFill/>
+    </a:ln>
+    <a:effectLst/>
+  </c:spPr>
+  <c:txPr>
+    <a:bodyPr/>
+    <a:lstStyle/>
+    <a:p>
+      <a:pPr>
+        <a:defRPr/>
+      </a:pPr>
+      <a:endParaRPr lang="en-US"/>
+    </a:p>
+  </c:txPr>
+  <c:externalData r:id="rId3">
+    <c:autoUpdate val="0"/>
+  </c:externalData>
+</c:chartSpace>
+</file>
+
+<file path=ppt/charts/chart2.xml><?xml version="1.0" encoding="utf-8"?>
+<c:chartSpace xmlns:c="http://schemas.openxmlformats.org/drawingml/2006/chart" xmlns:a="http://schemas.openxmlformats.org/drawingml/2006/main" xmlns:r="http://schemas.openxmlformats.org/officeDocument/2006/relationships" xmlns:c16r2="http://schemas.microsoft.com/office/drawing/2015/06/chart">
+  <c:date1904 val="0"/>
+  <c:lang val="en-US"/>
+  <c:roundedCorners val="0"/>
+  <mc:AlternateContent xmlns:mc="http://schemas.openxmlformats.org/markup-compatibility/2006">
+    <mc:Choice xmlns:c14="http://schemas.microsoft.com/office/drawing/2007/8/2/chart" Requires="c14">
+      <c14:style val="107"/>
+    </mc:Choice>
+    <mc:Fallback>
+      <c:style val="7"/>
+    </mc:Fallback>
+  </mc:AlternateContent>
+  <c:chart>
+    <c:autoTitleDeleted val="1"/>
+    <c:plotArea>
+      <c:layout/>
+      <c:pieChart>
+        <c:varyColors val="1"/>
+        <c:ser>
+          <c:idx val="0"/>
+          <c:order val="0"/>
+          <c:tx>
+            <c:strRef>
+              <c:f>Sheet1!$B$1</c:f>
+              <c:strCache>
+                <c:ptCount val="1"/>
+                <c:pt idx="0">
+                  <c:v>Column1</c:v>
+                </c:pt>
+              </c:strCache>
+            </c:strRef>
+          </c:tx>
+          <c:spPr>
+            <a:gradFill flip="none" rotWithShape="1">
+              <a:gsLst>
+                <a:gs pos="0">
+                  <a:schemeClr val="accent6">
+                    <a:lumMod val="67000"/>
+                  </a:schemeClr>
+                </a:gs>
+                <a:gs pos="48000">
+                  <a:schemeClr val="accent6">
+                    <a:lumMod val="97000"/>
+                    <a:lumOff val="3000"/>
+                  </a:schemeClr>
+                </a:gs>
+                <a:gs pos="100000">
+                  <a:schemeClr val="accent6">
+                    <a:lumMod val="60000"/>
+                    <a:lumOff val="40000"/>
+                  </a:schemeClr>
+                </a:gs>
+              </a:gsLst>
+              <a:lin ang="16200000" scaled="1"/>
+              <a:tileRect/>
+            </a:gradFill>
+            <a:ln w="63500">
+              <a:solidFill>
+                <a:schemeClr val="bg1"/>
+              </a:solidFill>
+            </a:ln>
+          </c:spPr>
+          <c:dPt>
+            <c:idx val="0"/>
+            <c:bubble3D val="0"/>
+            <c:spPr>
+              <a:gradFill flip="none" rotWithShape="1">
+                <a:gsLst>
+                  <a:gs pos="0">
+                    <a:schemeClr val="accent6">
+                      <a:lumMod val="67000"/>
+                    </a:schemeClr>
+                  </a:gs>
+                  <a:gs pos="48000">
+                    <a:schemeClr val="accent6">
+                      <a:lumMod val="97000"/>
+                      <a:lumOff val="3000"/>
+                    </a:schemeClr>
+                  </a:gs>
+                  <a:gs pos="100000">
+                    <a:schemeClr val="accent6">
+                      <a:lumMod val="60000"/>
+                      <a:lumOff val="40000"/>
+                    </a:schemeClr>
+                  </a:gs>
+                </a:gsLst>
+                <a:lin ang="16200000" scaled="1"/>
+                <a:tileRect/>
+              </a:gradFill>
+              <a:ln w="63500">
+                <a:solidFill>
+                  <a:schemeClr val="bg1"/>
+                </a:solidFill>
+              </a:ln>
+              <a:effectLst/>
+            </c:spPr>
+            <c:extLst>
+              <c:ext xmlns:c16="http://schemas.microsoft.com/office/drawing/2014/chart" uri="{C3380CC4-5D6E-409C-BE32-E72D297353CC}">
+                <c16:uniqueId val="{00000001-E301-4CE4-BADB-FB7AB791D382}"/>
+              </c:ext>
+            </c:extLst>
+          </c:dPt>
+          <c:dPt>
+            <c:idx val="1"/>
+            <c:bubble3D val="0"/>
+            <c:spPr>
+              <a:gradFill flip="none" rotWithShape="1">
+                <a:gsLst>
+                  <a:gs pos="0">
+                    <a:schemeClr val="accent6">
+                      <a:lumMod val="67000"/>
+                    </a:schemeClr>
+                  </a:gs>
+                  <a:gs pos="48000">
+                    <a:schemeClr val="accent6">
+                      <a:lumMod val="97000"/>
+                      <a:lumOff val="3000"/>
+                    </a:schemeClr>
+                  </a:gs>
+                  <a:gs pos="100000">
+                    <a:schemeClr val="accent6">
+                      <a:lumMod val="60000"/>
+                      <a:lumOff val="40000"/>
+                    </a:schemeClr>
+                  </a:gs>
+                </a:gsLst>
+                <a:lin ang="16200000" scaled="1"/>
+                <a:tileRect/>
+              </a:gradFill>
+              <a:ln w="63500">
+                <a:solidFill>
+                  <a:schemeClr val="bg1"/>
+                </a:solidFill>
+              </a:ln>
+              <a:effectLst/>
+            </c:spPr>
+            <c:extLst>
+              <c:ext xmlns:c16="http://schemas.microsoft.com/office/drawing/2014/chart" uri="{C3380CC4-5D6E-409C-BE32-E72D297353CC}">
+                <c16:uniqueId val="{00000003-E301-4CE4-BADB-FB7AB791D382}"/>
+              </c:ext>
+            </c:extLst>
+          </c:dPt>
+          <c:dPt>
+            <c:idx val="2"/>
+            <c:bubble3D val="0"/>
+            <c:spPr>
+              <a:gradFill flip="none" rotWithShape="1">
+                <a:gsLst>
+                  <a:gs pos="0">
+                    <a:schemeClr val="accent6">
+                      <a:lumMod val="67000"/>
+                    </a:schemeClr>
+                  </a:gs>
+                  <a:gs pos="48000">
+                    <a:schemeClr val="accent6">
+                      <a:lumMod val="97000"/>
+                      <a:lumOff val="3000"/>
+                    </a:schemeClr>
+                  </a:gs>
+                  <a:gs pos="100000">
+                    <a:schemeClr val="accent6">
+                      <a:lumMod val="60000"/>
+                      <a:lumOff val="40000"/>
+                    </a:schemeClr>
+                  </a:gs>
+                </a:gsLst>
+                <a:lin ang="16200000" scaled="1"/>
+                <a:tileRect/>
+              </a:gradFill>
+              <a:ln w="63500">
+                <a:solidFill>
+                  <a:schemeClr val="bg1"/>
+                </a:solidFill>
+              </a:ln>
+              <a:effectLst/>
+            </c:spPr>
+            <c:extLst>
+              <c:ext xmlns:c16="http://schemas.microsoft.com/office/drawing/2014/chart" uri="{C3380CC4-5D6E-409C-BE32-E72D297353CC}">
+                <c16:uniqueId val="{00000005-E301-4CE4-BADB-FB7AB791D382}"/>
+              </c:ext>
+            </c:extLst>
+          </c:dPt>
+          <c:dPt>
+            <c:idx val="3"/>
+            <c:bubble3D val="0"/>
+            <c:spPr>
+              <a:gradFill flip="none" rotWithShape="1">
+                <a:gsLst>
+                  <a:gs pos="0">
+                    <a:schemeClr val="accent6">
+                      <a:lumMod val="67000"/>
+                    </a:schemeClr>
+                  </a:gs>
+                  <a:gs pos="48000">
+                    <a:schemeClr val="accent6">
+                      <a:lumMod val="97000"/>
+                      <a:lumOff val="3000"/>
+                    </a:schemeClr>
+                  </a:gs>
+                  <a:gs pos="100000">
+                    <a:schemeClr val="accent6">
+                      <a:lumMod val="60000"/>
+                      <a:lumOff val="40000"/>
+                    </a:schemeClr>
+                  </a:gs>
+                </a:gsLst>
+                <a:lin ang="16200000" scaled="1"/>
+                <a:tileRect/>
+              </a:gradFill>
+              <a:ln w="63500">
+                <a:solidFill>
+                  <a:schemeClr val="bg1"/>
+                </a:solidFill>
+              </a:ln>
+              <a:effectLst/>
+            </c:spPr>
+            <c:extLst>
+              <c:ext xmlns:c16="http://schemas.microsoft.com/office/drawing/2014/chart" uri="{C3380CC4-5D6E-409C-BE32-E72D297353CC}">
+                <c16:uniqueId val="{00000007-E301-4CE4-BADB-FB7AB791D382}"/>
+              </c:ext>
+            </c:extLst>
+          </c:dPt>
+          <c:cat>
+            <c:numRef>
+              <c:f>Sheet1!$A$2:$A$5</c:f>
+              <c:numCache>
+                <c:formatCode>General</c:formatCode>
+                <c:ptCount val="4"/>
+              </c:numCache>
+            </c:numRef>
+          </c:cat>
+          <c:val>
+            <c:numRef>
+              <c:f>Sheet1!$B$2:$B$5</c:f>
+              <c:numCache>
+                <c:formatCode>General</c:formatCode>
+                <c:ptCount val="4"/>
+                <c:pt idx="0">
+                  <c:v>25</c:v>
+                </c:pt>
+                <c:pt idx="1">
+                  <c:v>25</c:v>
+                </c:pt>
+                <c:pt idx="2">
+                  <c:v>25</c:v>
+                </c:pt>
+              </c:numCache>
+            </c:numRef>
+          </c:val>
+          <c:extLst>
+            <c:ext xmlns:c16="http://schemas.microsoft.com/office/drawing/2014/chart" uri="{C3380CC4-5D6E-409C-BE32-E72D297353CC}">
+              <c16:uniqueId val="{00000008-E301-4CE4-BADB-FB7AB791D382}"/>
+            </c:ext>
+          </c:extLst>
+        </c:ser>
+        <c:dLbls>
+          <c:showLegendKey val="0"/>
+          <c:showVal val="0"/>
+          <c:showCatName val="0"/>
+          <c:showSerName val="0"/>
+          <c:showPercent val="0"/>
+          <c:showBubbleSize val="0"/>
+          <c:showLeaderLines val="1"/>
+        </c:dLbls>
+        <c:firstSliceAng val="0"/>
+      </c:pieChart>
+      <c:spPr>
+        <a:noFill/>
+        <a:ln>
+          <a:noFill/>
+        </a:ln>
+        <a:effectLst/>
+      </c:spPr>
+    </c:plotArea>
+    <c:plotVisOnly val="1"/>
+    <c:dispBlanksAs val="gap"/>
+    <c:showDLblsOverMax val="0"/>
+  </c:chart>
+  <c:spPr>
+    <a:noFill/>
+    <a:ln>
+      <a:noFill/>
+    </a:ln>
+    <a:effectLst/>
+  </c:spPr>
+  <c:txPr>
+    <a:bodyPr/>
+    <a:lstStyle/>
+    <a:p>
+      <a:pPr>
+        <a:defRPr/>
+      </a:pPr>
+      <a:endParaRPr lang="en-US"/>
+    </a:p>
+  </c:txPr>
+  <c:externalData r:id="rId3">
+    <c:autoUpdate val="0"/>
+  </c:externalData>
+</c:chartSpace>
+</file>
+
+<file path=ppt/charts/colors1.xml><?xml version="1.0" encoding="utf-8"?>
+<cs:colorStyle xmlns:cs="http://schemas.microsoft.com/office/drawing/2012/chartStyle" xmlns:a="http://schemas.openxmlformats.org/drawingml/2006/main" meth="cycle" id="12">
+  <a:schemeClr val="accent2"/>
+  <a:schemeClr val="accent4"/>
+  <a:schemeClr val="accent6"/>
+  <cs:variation/>
+  <cs:variation>
+    <a:lumMod val="60000"/>
+  </cs:variation>
+  <cs:variation>
+    <a:lumMod val="80000"/>
+    <a:lumOff val="20000"/>
+  </cs:variation>
+  <cs:variation>
+    <a:lumMod val="80000"/>
+  </cs:variation>
+  <cs:variation>
+    <a:lumMod val="60000"/>
+    <a:lumOff val="40000"/>
+  </cs:variation>
+  <cs:variation>
+    <a:lumMod val="50000"/>
+  </cs:variation>
+  <cs:variation>
+    <a:lumMod val="70000"/>
+    <a:lumOff val="30000"/>
+  </cs:variation>
+  <cs:variation>
+    <a:lumMod val="70000"/>
+  </cs:variation>
+  <cs:variation>
+    <a:lumMod val="50000"/>
+    <a:lumOff val="50000"/>
+  </cs:variation>
+</cs:colorStyle>
+</file>
+
+<file path=ppt/charts/colors2.xml><?xml version="1.0" encoding="utf-8"?>
+<cs:colorStyle xmlns:cs="http://schemas.microsoft.com/office/drawing/2012/chartStyle" xmlns:a="http://schemas.openxmlformats.org/drawingml/2006/main" meth="withinLinearReversed" id="25">
+  <a:schemeClr val="accent5"/>
+</cs:colorStyle>
+</file>
+
+<file path=ppt/charts/style1.xml><?xml version="1.0" encoding="utf-8"?>
+<cs:chartStyle xmlns:cs="http://schemas.microsoft.com/office/drawing/2012/chartStyle" xmlns:a="http://schemas.openxmlformats.org/drawingml/2006/main" id="255">
+  <cs:axisTitle>
+    <cs:lnRef idx="0"/>
+    <cs:fillRef idx="0"/>
+    <cs:effectRef idx="0"/>
+    <cs:fontRef idx="minor">
+      <a:schemeClr val="tx2"/>
+    </cs:fontRef>
+    <cs:defRPr sz="1197" b="1" kern="1200"/>
+  </cs:axisTitle>
+  <cs:categoryAxis>
+    <cs:lnRef idx="0"/>
+    <cs:fillRef idx="0"/>
+    <cs:effectRef idx="0"/>
+    <cs:fontRef idx="minor">
+      <a:schemeClr val="tx2"/>
+    </cs:fontRef>
+    <cs:spPr>
+      <a:ln w="9525" cap="flat" cmpd="sng" algn="ctr">
+        <a:solidFill>
+          <a:schemeClr val="tx2">
+            <a:lumMod val="15000"/>
+            <a:lumOff val="85000"/>
+          </a:schemeClr>
+        </a:solidFill>
+        <a:round/>
+      </a:ln>
+    </cs:spPr>
+    <cs:defRPr sz="1197" kern="1200"/>
+  </cs:categoryAxis>
+  <cs:chartArea mods="allowNoFillOverride allowNoLineOverride">
+    <cs:lnRef idx="0"/>
+    <cs:fillRef idx="0"/>
+    <cs:effectRef idx="0"/>
+    <cs:fontRef idx="minor">
+      <a:schemeClr val="tx2"/>
+    </cs:fontRef>
+    <cs:spPr>
+      <a:solidFill>
+        <a:schemeClr val="bg1"/>
+      </a:solidFill>
+      <a:ln w="9525" cap="flat" cmpd="sng" algn="ctr">
+        <a:solidFill>
+          <a:schemeClr val="tx2">
+            <a:lumMod val="15000"/>
+            <a:lumOff val="85000"/>
+          </a:schemeClr>
+        </a:solidFill>
+        <a:round/>
+      </a:ln>
+    </cs:spPr>
+    <cs:defRPr sz="1197" kern="1200"/>
+  </cs:chartArea>
+  <cs:dataLabel>
+    <cs:lnRef idx="0"/>
+    <cs:fillRef idx="0"/>
+    <cs:effectRef idx="0"/>
+    <cs:fontRef idx="minor">
+      <a:schemeClr val="tx2"/>
+    </cs:fontRef>
+    <cs:defRPr sz="1197" kern="1200"/>
+  </cs:dataLabel>
+  <cs:dataLabelCallout>
+    <cs:lnRef idx="0"/>
+    <cs:fillRef idx="0"/>
+    <cs:effectRef idx="0"/>
+    <cs:fontRef idx="minor">
+      <a:schemeClr val="dk2">
+        <a:lumMod val="75000"/>
+      </a:schemeClr>
+    </cs:fontRef>
+    <cs:spPr>
+      <a:solidFill>
+        <a:schemeClr val="lt1"/>
+      </a:solidFill>
+      <a:ln>
+        <a:solidFill>
+          <a:schemeClr val="dk1">
+            <a:lumMod val="25000"/>
+            <a:lumOff val="75000"/>
+          </a:schemeClr>
+        </a:solidFill>
+      </a:ln>
+    </cs:spPr>
+    <cs:defRPr sz="1197" kern="1200"/>
+    <cs:bodyPr rot="0" spcFirstLastPara="1" vertOverflow="clip" horzOverflow="clip" vert="horz" wrap="square" lIns="36576" tIns="18288" rIns="36576" bIns="18288" anchor="ctr" anchorCtr="1">
+      <a:spAutoFit/>
+    </cs:bodyPr>
+  </cs:dataLabelCallout>
+  <cs:dataPoint>
+    <cs:lnRef idx="0"/>
+    <cs:fillRef idx="3">
+      <cs:styleClr val="auto"/>
+    </cs:fillRef>
+    <cs:effectRef idx="2"/>
+    <cs:fontRef idx="minor">
+      <a:schemeClr val="tx2"/>
+    </cs:fontRef>
+  </cs:dataPoint>
+  <cs:dataPoint3D>
+    <cs:lnRef idx="0"/>
+    <cs:fillRef idx="3">
+      <cs:styleClr val="auto"/>
+    </cs:fillRef>
+    <cs:effectRef idx="2"/>
+    <cs:fontRef idx="minor">
+      <a:schemeClr val="tx2"/>
+    </cs:fontRef>
+  </cs:dataPoint3D>
+  <cs:dataPointLine>
+    <cs:lnRef idx="0">
+      <cs:styleClr val="auto"/>
+    </cs:lnRef>
+    <cs:fillRef idx="3"/>
+    <cs:effectRef idx="2"/>
+    <cs:fontRef idx="minor">
+      <a:schemeClr val="tx2"/>
+    </cs:fontRef>
+    <cs:spPr>
+      <a:ln w="31750" cap="rnd">
+        <a:solidFill>
+          <a:schemeClr val="phClr"/>
+        </a:solidFill>
+        <a:round/>
+      </a:ln>
+    </cs:spPr>
+  </cs:dataPointLine>
+  <cs:dataPointMarker>
+    <cs:lnRef idx="0"/>
+    <cs:fillRef idx="3">
+      <cs:styleClr val="auto"/>
+    </cs:fillRef>
+    <cs:effectRef idx="2"/>
+    <cs:fontRef idx="minor">
+      <a:schemeClr val="tx2"/>
+    </cs:fontRef>
+    <cs:spPr>
+      <a:ln w="12700">
+        <a:solidFill>
+          <a:schemeClr val="lt2"/>
+        </a:solidFill>
+        <a:round/>
+      </a:ln>
+    </cs:spPr>
+  </cs:dataPointMarker>
+  <cs:dataPointMarkerLayout symbol="circle" size="6"/>
+  <cs:dataPointWireframe>
+    <cs:lnRef idx="0">
+      <cs:styleClr val="auto"/>
+    </cs:lnRef>
+    <cs:fillRef idx="3"/>
+    <cs:effectRef idx="2"/>
+    <cs:fontRef idx="minor">
+      <a:schemeClr val="tx2"/>
+    </cs:fontRef>
+    <cs:spPr>
+      <a:ln w="9525" cap="rnd">
+        <a:solidFill>
+          <a:schemeClr val="phClr"/>
+        </a:solidFill>
+        <a:round/>
+      </a:ln>
+    </cs:spPr>
+  </cs:dataPointWireframe>
+  <cs:dataTable>
+    <cs:lnRef idx="0"/>
+    <cs:fillRef idx="0"/>
+    <cs:effectRef idx="0"/>
+    <cs:fontRef idx="minor">
+      <a:schemeClr val="tx2"/>
+    </cs:fontRef>
+    <cs:spPr>
+      <a:ln w="9525">
+        <a:solidFill>
+          <a:schemeClr val="tx2">
+            <a:lumMod val="15000"/>
+            <a:lumOff val="85000"/>
+          </a:schemeClr>
+        </a:solidFill>
+      </a:ln>
+    </cs:spPr>
+    <cs:defRPr sz="1197" kern="1200"/>
+  </cs:dataTable>
+  <cs:downBar>
+    <cs:lnRef idx="0"/>
+    <cs:fillRef idx="0"/>
+    <cs:effectRef idx="0"/>
+    <cs:fontRef idx="minor">
+      <a:schemeClr val="dk1"/>
+    </cs:fontRef>
+    <cs:spPr>
+      <a:solidFill>
+        <a:schemeClr val="dk1">
+          <a:lumMod val="65000"/>
+          <a:lumOff val="35000"/>
+        </a:schemeClr>
+      </a:solidFill>
+      <a:ln w="9525">
+        <a:solidFill>
+          <a:schemeClr val="tx1">
+            <a:lumMod val="65000"/>
+            <a:lumOff val="35000"/>
+          </a:schemeClr>
+        </a:solidFill>
+      </a:ln>
+    </cs:spPr>
+  </cs:downBar>
+  <cs:dropLine>
+    <cs:lnRef idx="0"/>
+    <cs:fillRef idx="0"/>
+    <cs:effectRef idx="0"/>
+    <cs:fontRef idx="minor">
+      <a:schemeClr val="tx2"/>
+    </cs:fontRef>
+    <cs:spPr>
+      <a:ln w="9525">
+        <a:solidFill>
+          <a:schemeClr val="tx2">
+            <a:lumMod val="60000"/>
+            <a:lumOff val="40000"/>
+          </a:schemeClr>
+        </a:solidFill>
+        <a:prstDash val="dash"/>
+      </a:ln>
+    </cs:spPr>
+  </cs:dropLine>
+  <cs:errorBar>
+    <cs:lnRef idx="0"/>
+    <cs:fillRef idx="0"/>
+    <cs:effectRef idx="0"/>
+    <cs:fontRef idx="minor">
+      <a:schemeClr val="tx2"/>
+    </cs:fontRef>
+    <cs:spPr>
+      <a:ln w="9525">
+        <a:solidFill>
+          <a:schemeClr val="tx2">
+            <a:lumMod val="75000"/>
+          </a:schemeClr>
+        </a:solidFill>
+        <a:round/>
+      </a:ln>
+    </cs:spPr>
+  </cs:errorBar>
+  <cs:floor>
+    <cs:lnRef idx="0"/>
+    <cs:fillRef idx="0"/>
+    <cs:effectRef idx="0"/>
+    <cs:fontRef idx="minor">
+      <a:schemeClr val="tx2"/>
+    </cs:fontRef>
+  </cs:floor>
+  <cs:gridlineMajor>
+    <cs:lnRef idx="0"/>
+    <cs:fillRef idx="0"/>
+    <cs:effectRef idx="0"/>
+    <cs:fontRef idx="minor">
+      <a:schemeClr val="tx2"/>
+    </cs:fontRef>
+    <cs:spPr>
+      <a:ln w="9525" cap="flat" cmpd="sng" algn="ctr">
+        <a:solidFill>
+          <a:schemeClr val="tx2">
+            <a:lumMod val="15000"/>
+            <a:lumOff val="85000"/>
+          </a:schemeClr>
+        </a:solidFill>
+        <a:round/>
+      </a:ln>
+    </cs:spPr>
+  </cs:gridlineMajor>
+  <cs:gridlineMinor>
+    <cs:lnRef idx="0"/>
+    <cs:fillRef idx="0"/>
+    <cs:effectRef idx="0"/>
+    <cs:fontRef idx="minor">
+      <a:schemeClr val="tx2"/>
+    </cs:fontRef>
+    <cs:spPr>
+      <a:ln>
+        <a:solidFill>
+          <a:schemeClr val="tx2">
+            <a:lumMod val="5000"/>
+            <a:lumOff val="95000"/>
+          </a:schemeClr>
+        </a:solidFill>
+      </a:ln>
+    </cs:spPr>
+  </cs:gridlineMinor>
+  <cs:hiLoLine>
+    <cs:lnRef idx="0"/>
+    <cs:fillRef idx="0"/>
+    <cs:effectRef idx="0"/>
+    <cs:fontRef idx="minor">
+      <a:schemeClr val="tx2"/>
+    </cs:fontRef>
+    <cs:spPr>
+      <a:ln w="9525">
+        <a:solidFill>
+          <a:schemeClr val="tx2">
+            <a:lumMod val="60000"/>
+            <a:lumOff val="40000"/>
+          </a:schemeClr>
+        </a:solidFill>
+        <a:prstDash val="dash"/>
+      </a:ln>
+    </cs:spPr>
+  </cs:hiLoLine>
+  <cs:leaderLine>
+    <cs:lnRef idx="0"/>
+    <cs:fillRef idx="0"/>
+    <cs:effectRef idx="0"/>
+    <cs:fontRef idx="minor">
+      <a:schemeClr val="tx2"/>
+    </cs:fontRef>
+    <cs:spPr>
+      <a:ln w="9525">
+        <a:solidFill>
+          <a:schemeClr val="tx2">
+            <a:lumMod val="35000"/>
+            <a:lumOff val="65000"/>
+          </a:schemeClr>
+        </a:solidFill>
+      </a:ln>
+    </cs:spPr>
+  </cs:leaderLine>
+  <cs:legend>
+    <cs:lnRef idx="0"/>
+    <cs:fillRef idx="0"/>
+    <cs:effectRef idx="0"/>
+    <cs:fontRef idx="minor">
+      <a:schemeClr val="tx2"/>
+    </cs:fontRef>
+    <cs:defRPr sz="1197" kern="1200"/>
+  </cs:legend>
+  <cs:plotArea>
+    <cs:lnRef idx="0"/>
+    <cs:fillRef idx="0"/>
+    <cs:effectRef idx="0"/>
+    <cs:fontRef idx="minor">
+      <a:schemeClr val="tx2"/>
+    </cs:fontRef>
+  </cs:plotArea>
+  <cs:plotArea3D>
+    <cs:lnRef idx="0"/>
+    <cs:fillRef idx="0"/>
+    <cs:effectRef idx="0"/>
+    <cs:fontRef idx="minor">
+      <a:schemeClr val="tx2"/>
+    </cs:fontRef>
+  </cs:plotArea3D>
+  <cs:seriesAxis>
+    <cs:lnRef idx="0"/>
+    <cs:fillRef idx="0"/>
+    <cs:effectRef idx="0"/>
+    <cs:fontRef idx="minor">
+      <a:schemeClr val="tx2"/>
+    </cs:fontRef>
+    <cs:spPr>
+      <a:ln w="9525" cap="flat" cmpd="sng" algn="ctr">
+        <a:solidFill>
+          <a:schemeClr val="tx2">
+            <a:lumMod val="15000"/>
+            <a:lumOff val="85000"/>
+          </a:schemeClr>
+        </a:solidFill>
+        <a:round/>
+      </a:ln>
+    </cs:spPr>
+    <cs:defRPr sz="1197" kern="1200"/>
+  </cs:seriesAxis>
+  <cs:seriesLine>
+    <cs:lnRef idx="0"/>
+    <cs:fillRef idx="0"/>
+    <cs:effectRef idx="0"/>
+    <cs:fontRef idx="minor">
+      <a:schemeClr val="tx2"/>
+    </cs:fontRef>
+    <cs:spPr>
+      <a:ln w="9525">
+        <a:solidFill>
+          <a:schemeClr val="tx2">
+            <a:lumMod val="60000"/>
+            <a:lumOff val="40000"/>
+          </a:schemeClr>
+        </a:solidFill>
+        <a:prstDash val="dash"/>
+      </a:ln>
+    </cs:spPr>
+  </cs:seriesLine>
+  <cs:title>
+    <cs:lnRef idx="0"/>
+    <cs:fillRef idx="0"/>
+    <cs:effectRef idx="0"/>
+    <cs:fontRef idx="minor">
+      <a:schemeClr val="tx2"/>
+    </cs:fontRef>
+    <cs:defRPr sz="2128" b="1" kern="1200"/>
+  </cs:title>
+  <cs:trendline>
+    <cs:lnRef idx="0">
+      <cs:styleClr val="auto"/>
+    </cs:lnRef>
+    <cs:fillRef idx="0"/>
+    <cs:effectRef idx="0"/>
+    <cs:fontRef idx="minor">
+      <a:schemeClr val="tx2"/>
+    </cs:fontRef>
+    <cs:spPr>
+      <a:ln w="19050" cap="rnd">
+        <a:solidFill>
+          <a:schemeClr val="phClr"/>
+        </a:solidFill>
+        <a:prstDash val="sysDash"/>
+      </a:ln>
+    </cs:spPr>
+  </cs:trendline>
+  <cs:trendlineLabel>
+    <cs:lnRef idx="0"/>
+    <cs:fillRef idx="0"/>
+    <cs:effectRef idx="0"/>
+    <cs:fontRef idx="minor">
+      <a:schemeClr val="tx2"/>
+    </cs:fontRef>
+    <cs:defRPr sz="1197" kern="1200"/>
+  </cs:trendlineLabel>
+  <cs:upBar>
+    <cs:lnRef idx="0"/>
+    <cs:fillRef idx="0"/>
+    <cs:effectRef idx="0"/>
+    <cs:fontRef idx="minor">
+      <a:schemeClr val="tx2"/>
+    </cs:fontRef>
+    <cs:spPr>
+      <a:solidFill>
+        <a:schemeClr val="lt1"/>
+      </a:solidFill>
+      <a:ln w="9525">
+        <a:solidFill>
+          <a:schemeClr val="tx1">
+            <a:lumMod val="15000"/>
+            <a:lumOff val="85000"/>
+          </a:schemeClr>
+        </a:solidFill>
+      </a:ln>
+    </cs:spPr>
+  </cs:upBar>
+  <cs:valueAxis>
+    <cs:lnRef idx="0"/>
+    <cs:fillRef idx="0"/>
+    <cs:effectRef idx="0"/>
+    <cs:fontRef idx="minor">
+      <a:schemeClr val="tx2"/>
+    </cs:fontRef>
+    <cs:defRPr sz="1197" kern="1200"/>
+  </cs:valueAxis>
+  <cs:wall>
+    <cs:lnRef idx="0"/>
+    <cs:fillRef idx="0"/>
+    <cs:effectRef idx="0"/>
+    <cs:fontRef idx="minor">
+      <a:schemeClr val="tx2"/>
+    </cs:fontRef>
+  </cs:wall>
+</cs:chartStyle>
+</file>
+
+<file path=ppt/charts/style2.xml><?xml version="1.0" encoding="utf-8"?>
+<cs:chartStyle xmlns:cs="http://schemas.microsoft.com/office/drawing/2012/chartStyle" xmlns:a="http://schemas.openxmlformats.org/drawingml/2006/main" id="255">
+  <cs:axisTitle>
+    <cs:lnRef idx="0"/>
+    <cs:fillRef idx="0"/>
+    <cs:effectRef idx="0"/>
+    <cs:fontRef idx="minor">
+      <a:schemeClr val="tx2"/>
+    </cs:fontRef>
+    <cs:defRPr sz="1197" b="1" kern="1200"/>
+  </cs:axisTitle>
+  <cs:categoryAxis>
+    <cs:lnRef idx="0"/>
+    <cs:fillRef idx="0"/>
+    <cs:effectRef idx="0"/>
+    <cs:fontRef idx="minor">
+      <a:schemeClr val="tx2"/>
+    </cs:fontRef>
+    <cs:spPr>
+      <a:ln w="9525" cap="flat" cmpd="sng" algn="ctr">
+        <a:solidFill>
+          <a:schemeClr val="tx2">
+            <a:lumMod val="15000"/>
+            <a:lumOff val="85000"/>
+          </a:schemeClr>
+        </a:solidFill>
+        <a:round/>
+      </a:ln>
+    </cs:spPr>
+    <cs:defRPr sz="1197" kern="1200"/>
+  </cs:categoryAxis>
+  <cs:chartArea mods="allowNoFillOverride allowNoLineOverride">
+    <cs:lnRef idx="0"/>
+    <cs:fillRef idx="0"/>
+    <cs:effectRef idx="0"/>
+    <cs:fontRef idx="minor">
+      <a:schemeClr val="tx2"/>
+    </cs:fontRef>
+    <cs:spPr>
+      <a:solidFill>
+        <a:schemeClr val="bg1"/>
+      </a:solidFill>
+      <a:ln w="9525" cap="flat" cmpd="sng" algn="ctr">
+        <a:solidFill>
+          <a:schemeClr val="tx2">
+            <a:lumMod val="15000"/>
+            <a:lumOff val="85000"/>
+          </a:schemeClr>
+        </a:solidFill>
+        <a:round/>
+      </a:ln>
+    </cs:spPr>
+    <cs:defRPr sz="1197" kern="1200"/>
+  </cs:chartArea>
+  <cs:dataLabel>
+    <cs:lnRef idx="0"/>
+    <cs:fillRef idx="0"/>
+    <cs:effectRef idx="0"/>
+    <cs:fontRef idx="minor">
+      <a:schemeClr val="tx2"/>
+    </cs:fontRef>
+    <cs:defRPr sz="1197" kern="1200"/>
+  </cs:dataLabel>
+  <cs:dataLabelCallout>
+    <cs:lnRef idx="0"/>
+    <cs:fillRef idx="0"/>
+    <cs:effectRef idx="0"/>
+    <cs:fontRef idx="minor">
+      <a:schemeClr val="dk2">
+        <a:lumMod val="75000"/>
+      </a:schemeClr>
+    </cs:fontRef>
+    <cs:spPr>
+      <a:solidFill>
+        <a:schemeClr val="lt1"/>
+      </a:solidFill>
+      <a:ln>
+        <a:solidFill>
+          <a:schemeClr val="dk1">
+            <a:lumMod val="25000"/>
+            <a:lumOff val="75000"/>
+          </a:schemeClr>
+        </a:solidFill>
+      </a:ln>
+    </cs:spPr>
+    <cs:defRPr sz="1197" kern="1200"/>
+    <cs:bodyPr rot="0" spcFirstLastPara="1" vertOverflow="clip" horzOverflow="clip" vert="horz" wrap="square" lIns="36576" tIns="18288" rIns="36576" bIns="18288" anchor="ctr" anchorCtr="1">
+      <a:spAutoFit/>
+    </cs:bodyPr>
+  </cs:dataLabelCallout>
+  <cs:dataPoint>
+    <cs:lnRef idx="0"/>
+    <cs:fillRef idx="3">
+      <cs:styleClr val="auto"/>
+    </cs:fillRef>
+    <cs:effectRef idx="2"/>
+    <cs:fontRef idx="minor">
+      <a:schemeClr val="tx2"/>
+    </cs:fontRef>
+  </cs:dataPoint>
+  <cs:dataPoint3D>
+    <cs:lnRef idx="0"/>
+    <cs:fillRef idx="3">
+      <cs:styleClr val="auto"/>
+    </cs:fillRef>
+    <cs:effectRef idx="2"/>
+    <cs:fontRef idx="minor">
+      <a:schemeClr val="tx2"/>
+    </cs:fontRef>
+  </cs:dataPoint3D>
+  <cs:dataPointLine>
+    <cs:lnRef idx="0">
+      <cs:styleClr val="auto"/>
+    </cs:lnRef>
+    <cs:fillRef idx="3"/>
+    <cs:effectRef idx="2"/>
+    <cs:fontRef idx="minor">
+      <a:schemeClr val="tx2"/>
+    </cs:fontRef>
+    <cs:spPr>
+      <a:ln w="31750" cap="rnd">
+        <a:solidFill>
+          <a:schemeClr val="phClr"/>
+        </a:solidFill>
+        <a:round/>
+      </a:ln>
+    </cs:spPr>
+  </cs:dataPointLine>
+  <cs:dataPointMarker>
+    <cs:lnRef idx="0"/>
+    <cs:fillRef idx="3">
+      <cs:styleClr val="auto"/>
+    </cs:fillRef>
+    <cs:effectRef idx="2"/>
+    <cs:fontRef idx="minor">
+      <a:schemeClr val="tx2"/>
+    </cs:fontRef>
+    <cs:spPr>
+      <a:ln w="12700">
+        <a:solidFill>
+          <a:schemeClr val="lt2"/>
+        </a:solidFill>
+        <a:round/>
+      </a:ln>
+    </cs:spPr>
+  </cs:dataPointMarker>
+  <cs:dataPointMarkerLayout symbol="circle" size="6"/>
+  <cs:dataPointWireframe>
+    <cs:lnRef idx="0">
+      <cs:styleClr val="auto"/>
+    </cs:lnRef>
+    <cs:fillRef idx="3"/>
+    <cs:effectRef idx="2"/>
+    <cs:fontRef idx="minor">
+      <a:schemeClr val="tx2"/>
+    </cs:fontRef>
+    <cs:spPr>
+      <a:ln w="9525" cap="rnd">
+        <a:solidFill>
+          <a:schemeClr val="phClr"/>
+        </a:solidFill>
+        <a:round/>
+      </a:ln>
+    </cs:spPr>
+  </cs:dataPointWireframe>
+  <cs:dataTable>
+    <cs:lnRef idx="0"/>
+    <cs:fillRef idx="0"/>
+    <cs:effectRef idx="0"/>
+    <cs:fontRef idx="minor">
+      <a:schemeClr val="tx2"/>
+    </cs:fontRef>
+    <cs:spPr>
+      <a:ln w="9525">
+        <a:solidFill>
+          <a:schemeClr val="tx2">
+            <a:lumMod val="15000"/>
+            <a:lumOff val="85000"/>
+          </a:schemeClr>
+        </a:solidFill>
+      </a:ln>
+    </cs:spPr>
+    <cs:defRPr sz="1197" kern="1200"/>
+  </cs:dataTable>
+  <cs:downBar>
+    <cs:lnRef idx="0"/>
+    <cs:fillRef idx="0"/>
+    <cs:effectRef idx="0"/>
+    <cs:fontRef idx="minor">
+      <a:schemeClr val="dk1"/>
+    </cs:fontRef>
+    <cs:spPr>
+      <a:solidFill>
+        <a:schemeClr val="dk1">
+          <a:lumMod val="65000"/>
+          <a:lumOff val="35000"/>
+        </a:schemeClr>
+      </a:solidFill>
+      <a:ln w="9525">
+        <a:solidFill>
+          <a:schemeClr val="tx1">
+            <a:lumMod val="65000"/>
+            <a:lumOff val="35000"/>
+          </a:schemeClr>
+        </a:solidFill>
+      </a:ln>
+    </cs:spPr>
+  </cs:downBar>
+  <cs:dropLine>
+    <cs:lnRef idx="0"/>
+    <cs:fillRef idx="0"/>
+    <cs:effectRef idx="0"/>
+    <cs:fontRef idx="minor">
+      <a:schemeClr val="tx2"/>
+    </cs:fontRef>
+    <cs:spPr>
+      <a:ln w="9525">
+        <a:solidFill>
+          <a:schemeClr val="tx2">
+            <a:lumMod val="60000"/>
+            <a:lumOff val="40000"/>
+          </a:schemeClr>
+        </a:solidFill>
+        <a:prstDash val="dash"/>
+      </a:ln>
+    </cs:spPr>
+  </cs:dropLine>
+  <cs:errorBar>
+    <cs:lnRef idx="0"/>
+    <cs:fillRef idx="0"/>
+    <cs:effectRef idx="0"/>
+    <cs:fontRef idx="minor">
+      <a:schemeClr val="tx2"/>
+    </cs:fontRef>
+    <cs:spPr>
+      <a:ln w="9525">
+        <a:solidFill>
+          <a:schemeClr val="tx2">
+            <a:lumMod val="75000"/>
+          </a:schemeClr>
+        </a:solidFill>
+        <a:round/>
+      </a:ln>
+    </cs:spPr>
+  </cs:errorBar>
+  <cs:floor>
+    <cs:lnRef idx="0"/>
+    <cs:fillRef idx="0"/>
+    <cs:effectRef idx="0"/>
+    <cs:fontRef idx="minor">
+      <a:schemeClr val="tx2"/>
+    </cs:fontRef>
+  </cs:floor>
+  <cs:gridlineMajor>
+    <cs:lnRef idx="0"/>
+    <cs:fillRef idx="0"/>
+    <cs:effectRef idx="0"/>
+    <cs:fontRef idx="minor">
+      <a:schemeClr val="tx2"/>
+    </cs:fontRef>
+    <cs:spPr>
+      <a:ln w="9525" cap="flat" cmpd="sng" algn="ctr">
+        <a:solidFill>
+          <a:schemeClr val="tx2">
+            <a:lumMod val="15000"/>
+            <a:lumOff val="85000"/>
+          </a:schemeClr>
+        </a:solidFill>
+        <a:round/>
+      </a:ln>
+    </cs:spPr>
+  </cs:gridlineMajor>
+  <cs:gridlineMinor>
+    <cs:lnRef idx="0"/>
+    <cs:fillRef idx="0"/>
+    <cs:effectRef idx="0"/>
+    <cs:fontRef idx="minor">
+      <a:schemeClr val="tx2"/>
+    </cs:fontRef>
+    <cs:spPr>
+      <a:ln>
+        <a:solidFill>
+          <a:schemeClr val="tx2">
+            <a:lumMod val="5000"/>
+            <a:lumOff val="95000"/>
+          </a:schemeClr>
+        </a:solidFill>
+      </a:ln>
+    </cs:spPr>
+  </cs:gridlineMinor>
+  <cs:hiLoLine>
+    <cs:lnRef idx="0"/>
+    <cs:fillRef idx="0"/>
+    <cs:effectRef idx="0"/>
+    <cs:fontRef idx="minor">
+      <a:schemeClr val="tx2"/>
+    </cs:fontRef>
+    <cs:spPr>
+      <a:ln w="9525">
+        <a:solidFill>
+          <a:schemeClr val="tx2">
+            <a:lumMod val="60000"/>
+            <a:lumOff val="40000"/>
+          </a:schemeClr>
+        </a:solidFill>
+        <a:prstDash val="dash"/>
+      </a:ln>
+    </cs:spPr>
+  </cs:hiLoLine>
+  <cs:leaderLine>
+    <cs:lnRef idx="0"/>
+    <cs:fillRef idx="0"/>
+    <cs:effectRef idx="0"/>
+    <cs:fontRef idx="minor">
+      <a:schemeClr val="tx2"/>
+    </cs:fontRef>
+    <cs:spPr>
+      <a:ln w="9525">
+        <a:solidFill>
+          <a:schemeClr val="tx2">
+            <a:lumMod val="35000"/>
+            <a:lumOff val="65000"/>
+          </a:schemeClr>
+        </a:solidFill>
+      </a:ln>
+    </cs:spPr>
+  </cs:leaderLine>
+  <cs:legend>
+    <cs:lnRef idx="0"/>
+    <cs:fillRef idx="0"/>
+    <cs:effectRef idx="0"/>
+    <cs:fontRef idx="minor">
+      <a:schemeClr val="tx2"/>
+    </cs:fontRef>
+    <cs:defRPr sz="1197" kern="1200"/>
+  </cs:legend>
+  <cs:plotArea>
+    <cs:lnRef idx="0"/>
+    <cs:fillRef idx="0"/>
+    <cs:effectRef idx="0"/>
+    <cs:fontRef idx="minor">
+      <a:schemeClr val="tx2"/>
+    </cs:fontRef>
+  </cs:plotArea>
+  <cs:plotArea3D>
+    <cs:lnRef idx="0"/>
+    <cs:fillRef idx="0"/>
+    <cs:effectRef idx="0"/>
+    <cs:fontRef idx="minor">
+      <a:schemeClr val="tx2"/>
+    </cs:fontRef>
+  </cs:plotArea3D>
+  <cs:seriesAxis>
+    <cs:lnRef idx="0"/>
+    <cs:fillRef idx="0"/>
+    <cs:effectRef idx="0"/>
+    <cs:fontRef idx="minor">
+      <a:schemeClr val="tx2"/>
+    </cs:fontRef>
+    <cs:spPr>
+      <a:ln w="9525" cap="flat" cmpd="sng" algn="ctr">
+        <a:solidFill>
+          <a:schemeClr val="tx2">
+            <a:lumMod val="15000"/>
+            <a:lumOff val="85000"/>
+          </a:schemeClr>
+        </a:solidFill>
+        <a:round/>
+      </a:ln>
+    </cs:spPr>
+    <cs:defRPr sz="1197" kern="1200"/>
+  </cs:seriesAxis>
+  <cs:seriesLine>
+    <cs:lnRef idx="0"/>
+    <cs:fillRef idx="0"/>
+    <cs:effectRef idx="0"/>
+    <cs:fontRef idx="minor">
+      <a:schemeClr val="tx2"/>
+    </cs:fontRef>
+    <cs:spPr>
+      <a:ln w="9525">
+        <a:solidFill>
+          <a:schemeClr val="tx2">
+            <a:lumMod val="60000"/>
+            <a:lumOff val="40000"/>
+          </a:schemeClr>
+        </a:solidFill>
+        <a:prstDash val="dash"/>
+      </a:ln>
+    </cs:spPr>
+  </cs:seriesLine>
+  <cs:title>
+    <cs:lnRef idx="0"/>
+    <cs:fillRef idx="0"/>
+    <cs:effectRef idx="0"/>
+    <cs:fontRef idx="minor">
+      <a:schemeClr val="tx2"/>
+    </cs:fontRef>
+    <cs:defRPr sz="2128" b="1" kern="1200"/>
+  </cs:title>
+  <cs:trendline>
+    <cs:lnRef idx="0">
+      <cs:styleClr val="auto"/>
+    </cs:lnRef>
+    <cs:fillRef idx="0"/>
+    <cs:effectRef idx="0"/>
+    <cs:fontRef idx="minor">
+      <a:schemeClr val="tx2"/>
+    </cs:fontRef>
+    <cs:spPr>
+      <a:ln w="19050" cap="rnd">
+        <a:solidFill>
+          <a:schemeClr val="phClr"/>
+        </a:solidFill>
+        <a:prstDash val="sysDash"/>
+      </a:ln>
+    </cs:spPr>
+  </cs:trendline>
+  <cs:trendlineLabel>
+    <cs:lnRef idx="0"/>
+    <cs:fillRef idx="0"/>
+    <cs:effectRef idx="0"/>
+    <cs:fontRef idx="minor">
+      <a:schemeClr val="tx2"/>
+    </cs:fontRef>
+    <cs:defRPr sz="1197" kern="1200"/>
+  </cs:trendlineLabel>
+  <cs:upBar>
+    <cs:lnRef idx="0"/>
+    <cs:fillRef idx="0"/>
+    <cs:effectRef idx="0"/>
+    <cs:fontRef idx="minor">
+      <a:schemeClr val="tx2"/>
+    </cs:fontRef>
+    <cs:spPr>
+      <a:solidFill>
+        <a:schemeClr val="lt1"/>
+      </a:solidFill>
+      <a:ln w="9525">
+        <a:solidFill>
+          <a:schemeClr val="tx1">
+            <a:lumMod val="15000"/>
+            <a:lumOff val="85000"/>
+          </a:schemeClr>
+        </a:solidFill>
+      </a:ln>
+    </cs:spPr>
+  </cs:upBar>
+  <cs:valueAxis>
+    <cs:lnRef idx="0"/>
+    <cs:fillRef idx="0"/>
+    <cs:effectRef idx="0"/>
+    <cs:fontRef idx="minor">
+      <a:schemeClr val="tx2"/>
+    </cs:fontRef>
+    <cs:defRPr sz="1197" kern="1200"/>
+  </cs:valueAxis>
+  <cs:wall>
+    <cs:lnRef idx="0"/>
+    <cs:fillRef idx="0"/>
+    <cs:effectRef idx="0"/>
+    <cs:fontRef idx="minor">
+      <a:schemeClr val="tx2"/>
+    </cs:fontRef>
+  </cs:wall>
+</cs:chartStyle>
 </file>
 
 <file path=ppt/diagrams/colors1.xml><?xml version="1.0" encoding="utf-8"?>
@@ -5268,7 +6844,7 @@
           <a:p>
             <a:fld id="{596F132A-66E1-4B45-8AE4-6721E79FFE50}" type="datetimeFigureOut">
               <a:rPr lang="en-US" smtClean="0"/>
-              <a:t>5/23/2020</a:t>
+              <a:t>5/24/2020</a:t>
             </a:fld>
             <a:endParaRPr lang="en-US"/>
           </a:p>
@@ -5438,7 +7014,7 @@
           <a:p>
             <a:fld id="{596F132A-66E1-4B45-8AE4-6721E79FFE50}" type="datetimeFigureOut">
               <a:rPr lang="en-US" smtClean="0"/>
-              <a:t>5/23/2020</a:t>
+              <a:t>5/24/2020</a:t>
             </a:fld>
             <a:endParaRPr lang="en-US"/>
           </a:p>
@@ -5618,7 +7194,7 @@
           <a:p>
             <a:fld id="{596F132A-66E1-4B45-8AE4-6721E79FFE50}" type="datetimeFigureOut">
               <a:rPr lang="en-US" smtClean="0"/>
-              <a:t>5/23/2020</a:t>
+              <a:t>5/24/2020</a:t>
             </a:fld>
             <a:endParaRPr lang="en-US"/>
           </a:p>
@@ -5788,7 +7364,7 @@
           <a:p>
             <a:fld id="{596F132A-66E1-4B45-8AE4-6721E79FFE50}" type="datetimeFigureOut">
               <a:rPr lang="en-US" smtClean="0"/>
-              <a:t>5/23/2020</a:t>
+              <a:t>5/24/2020</a:t>
             </a:fld>
             <a:endParaRPr lang="en-US"/>
           </a:p>
@@ -6034,7 +7610,7 @@
           <a:p>
             <a:fld id="{596F132A-66E1-4B45-8AE4-6721E79FFE50}" type="datetimeFigureOut">
               <a:rPr lang="en-US" smtClean="0"/>
-              <a:t>5/23/2020</a:t>
+              <a:t>5/24/2020</a:t>
             </a:fld>
             <a:endParaRPr lang="en-US"/>
           </a:p>
@@ -6266,7 +7842,7 @@
           <a:p>
             <a:fld id="{596F132A-66E1-4B45-8AE4-6721E79FFE50}" type="datetimeFigureOut">
               <a:rPr lang="en-US" smtClean="0"/>
-              <a:t>5/23/2020</a:t>
+              <a:t>5/24/2020</a:t>
             </a:fld>
             <a:endParaRPr lang="en-US"/>
           </a:p>
@@ -6633,7 +8209,7 @@
           <a:p>
             <a:fld id="{596F132A-66E1-4B45-8AE4-6721E79FFE50}" type="datetimeFigureOut">
               <a:rPr lang="en-US" smtClean="0"/>
-              <a:t>5/23/2020</a:t>
+              <a:t>5/24/2020</a:t>
             </a:fld>
             <a:endParaRPr lang="en-US"/>
           </a:p>
@@ -6751,7 +8327,7 @@
           <a:p>
             <a:fld id="{596F132A-66E1-4B45-8AE4-6721E79FFE50}" type="datetimeFigureOut">
               <a:rPr lang="en-US" smtClean="0"/>
-              <a:t>5/23/2020</a:t>
+              <a:t>5/24/2020</a:t>
             </a:fld>
             <a:endParaRPr lang="en-US"/>
           </a:p>
@@ -6846,7 +8422,7 @@
           <a:p>
             <a:fld id="{596F132A-66E1-4B45-8AE4-6721E79FFE50}" type="datetimeFigureOut">
               <a:rPr lang="en-US" smtClean="0"/>
-              <a:t>5/23/2020</a:t>
+              <a:t>5/24/2020</a:t>
             </a:fld>
             <a:endParaRPr lang="en-US"/>
           </a:p>
@@ -7123,7 +8699,7 @@
           <a:p>
             <a:fld id="{596F132A-66E1-4B45-8AE4-6721E79FFE50}" type="datetimeFigureOut">
               <a:rPr lang="en-US" smtClean="0"/>
-              <a:t>5/23/2020</a:t>
+              <a:t>5/24/2020</a:t>
             </a:fld>
             <a:endParaRPr lang="en-US"/>
           </a:p>
@@ -7380,7 +8956,7 @@
           <a:p>
             <a:fld id="{596F132A-66E1-4B45-8AE4-6721E79FFE50}" type="datetimeFigureOut">
               <a:rPr lang="en-US" smtClean="0"/>
-              <a:t>5/23/2020</a:t>
+              <a:t>5/24/2020</a:t>
             </a:fld>
             <a:endParaRPr lang="en-US"/>
           </a:p>
@@ -7593,7 +9169,7 @@
           <a:p>
             <a:fld id="{596F132A-66E1-4B45-8AE4-6721E79FFE50}" type="datetimeFigureOut">
               <a:rPr lang="en-US" smtClean="0"/>
-              <a:t>5/23/2020</a:t>
+              <a:t>5/24/2020</a:t>
             </a:fld>
             <a:endParaRPr lang="en-US"/>
           </a:p>
@@ -12748,318 +14324,133 @@
           <a:chExt cx="0" cy="0"/>
         </a:xfrm>
       </p:grpSpPr>
-      <p:sp>
-        <p:nvSpPr>
-          <p:cNvPr id="4" name="Rounded Rectangle 3"/>
-          <p:cNvSpPr/>
+      <p:grpSp>
+        <p:nvGrpSpPr>
+          <p:cNvPr id="15" name="Group 14"/>
+          <p:cNvGrpSpPr/>
           <p:nvPr/>
-        </p:nvSpPr>
-        <p:spPr>
+        </p:nvGrpSpPr>
+        <p:grpSpPr>
           <a:xfrm>
-            <a:off x="4942704" y="2428104"/>
-            <a:ext cx="4003589" cy="4053016"/>
+            <a:off x="1079498" y="292624"/>
+            <a:ext cx="12395200" cy="8263467"/>
+            <a:chOff x="3098798" y="483124"/>
+            <a:chExt cx="12395200" cy="8263467"/>
           </a:xfrm>
-          <a:prstGeom prst="roundRect">
-            <a:avLst>
-              <a:gd name="adj" fmla="val 4678"/>
-            </a:avLst>
-          </a:prstGeom>
-        </p:spPr>
-        <p:style>
-          <a:lnRef idx="0">
-            <a:schemeClr val="accent4"/>
-          </a:lnRef>
-          <a:fillRef idx="3">
-            <a:schemeClr val="accent4"/>
-          </a:fillRef>
-          <a:effectRef idx="3">
-            <a:schemeClr val="accent4"/>
-          </a:effectRef>
-          <a:fontRef idx="minor">
-            <a:schemeClr val="lt1"/>
-          </a:fontRef>
-        </p:style>
-        <p:txBody>
-          <a:bodyPr rtlCol="0" anchor="t"/>
-          <a:lstStyle/>
-          <a:p>
-            <a:pPr algn="ctr"/>
-            <a:r>
-              <a:rPr lang="en-US">
-                <a:solidFill>
-                  <a:schemeClr val="tx1"/>
-                </a:solidFill>
-              </a:rPr>
-              <a:t>business_func_1()</a:t>
-            </a:r>
-          </a:p>
-        </p:txBody>
-      </p:sp>
-      <p:sp>
-        <p:nvSpPr>
-          <p:cNvPr id="5" name="Rounded Rectangle 4"/>
-          <p:cNvSpPr/>
-          <p:nvPr/>
-        </p:nvSpPr>
-        <p:spPr>
-          <a:xfrm>
-            <a:off x="5243385" y="3083011"/>
-            <a:ext cx="3369275" cy="518985"/>
-          </a:xfrm>
-          <a:prstGeom prst="roundRect">
-            <a:avLst>
-              <a:gd name="adj" fmla="val 4678"/>
-            </a:avLst>
-          </a:prstGeom>
-          <a:effectLst>
-            <a:outerShdw blurRad="63500" sx="102000" sy="102000" algn="ctr" rotWithShape="0">
-              <a:prstClr val="black">
-                <a:alpha val="40000"/>
-              </a:prstClr>
-            </a:outerShdw>
-          </a:effectLst>
-        </p:spPr>
-        <p:style>
-          <a:lnRef idx="1">
-            <a:schemeClr val="accent2"/>
-          </a:lnRef>
-          <a:fillRef idx="3">
-            <a:schemeClr val="accent2"/>
-          </a:fillRef>
-          <a:effectRef idx="2">
-            <a:schemeClr val="accent2"/>
-          </a:effectRef>
-          <a:fontRef idx="minor">
-            <a:schemeClr val="lt1"/>
-          </a:fontRef>
-        </p:style>
-        <p:txBody>
-          <a:bodyPr rtlCol="0" anchor="ctr"/>
-          <a:lstStyle/>
-          <a:p>
-            <a:r>
-              <a:rPr lang="en-US">
-                <a:solidFill>
-                  <a:schemeClr val="tx1"/>
-                </a:solidFill>
-              </a:rPr>
-              <a:t>utility_func_1()</a:t>
-            </a:r>
-          </a:p>
-        </p:txBody>
-      </p:sp>
-      <p:sp>
-        <p:nvSpPr>
-          <p:cNvPr id="6" name="Rounded Rectangle 5"/>
-          <p:cNvSpPr/>
-          <p:nvPr/>
-        </p:nvSpPr>
-        <p:spPr>
-          <a:xfrm>
-            <a:off x="5243385" y="3737918"/>
-            <a:ext cx="3369275" cy="518985"/>
-          </a:xfrm>
-          <a:prstGeom prst="roundRect">
-            <a:avLst>
-              <a:gd name="adj" fmla="val 4678"/>
-            </a:avLst>
-          </a:prstGeom>
-          <a:effectLst>
-            <a:outerShdw blurRad="63500" sx="102000" sy="102000" algn="ctr" rotWithShape="0">
-              <a:prstClr val="black">
-                <a:alpha val="40000"/>
-              </a:prstClr>
-            </a:outerShdw>
-          </a:effectLst>
-        </p:spPr>
-        <p:style>
-          <a:lnRef idx="1">
-            <a:schemeClr val="accent2"/>
-          </a:lnRef>
-          <a:fillRef idx="3">
-            <a:schemeClr val="accent2"/>
-          </a:fillRef>
-          <a:effectRef idx="2">
-            <a:schemeClr val="accent2"/>
-          </a:effectRef>
-          <a:fontRef idx="minor">
-            <a:schemeClr val="lt1"/>
-          </a:fontRef>
-        </p:style>
-        <p:txBody>
-          <a:bodyPr rtlCol="0" anchor="ctr"/>
-          <a:lstStyle/>
-          <a:p>
-            <a:r>
-              <a:rPr lang="en-US">
-                <a:solidFill>
-                  <a:schemeClr val="tx1"/>
-                </a:solidFill>
-              </a:rPr>
-              <a:t>utility_func_2()</a:t>
-            </a:r>
-          </a:p>
-        </p:txBody>
-      </p:sp>
-      <p:sp>
-        <p:nvSpPr>
-          <p:cNvPr id="7" name="Rounded Rectangle 6"/>
-          <p:cNvSpPr/>
-          <p:nvPr/>
-        </p:nvSpPr>
-        <p:spPr>
-          <a:xfrm>
-            <a:off x="5243385" y="4392825"/>
-            <a:ext cx="3369275" cy="518985"/>
-          </a:xfrm>
-          <a:prstGeom prst="roundRect">
-            <a:avLst>
-              <a:gd name="adj" fmla="val 4678"/>
-            </a:avLst>
-          </a:prstGeom>
-          <a:effectLst>
-            <a:outerShdw blurRad="63500" sx="102000" sy="102000" algn="ctr" rotWithShape="0">
-              <a:prstClr val="black">
-                <a:alpha val="40000"/>
-              </a:prstClr>
-            </a:outerShdw>
-          </a:effectLst>
-        </p:spPr>
-        <p:style>
-          <a:lnRef idx="1">
-            <a:schemeClr val="accent2"/>
-          </a:lnRef>
-          <a:fillRef idx="3">
-            <a:schemeClr val="accent2"/>
-          </a:fillRef>
-          <a:effectRef idx="2">
-            <a:schemeClr val="accent2"/>
-          </a:effectRef>
-          <a:fontRef idx="minor">
-            <a:schemeClr val="lt1"/>
-          </a:fontRef>
-        </p:style>
-        <p:txBody>
-          <a:bodyPr rtlCol="0" anchor="ctr"/>
-          <a:lstStyle/>
-          <a:p>
-            <a:r>
-              <a:rPr lang="en-US">
-                <a:solidFill>
-                  <a:schemeClr val="tx1"/>
-                </a:solidFill>
-              </a:rPr>
-              <a:t>utility_func_3()</a:t>
-            </a:r>
-          </a:p>
-        </p:txBody>
-      </p:sp>
-      <p:sp>
-        <p:nvSpPr>
-          <p:cNvPr id="8" name="Rounded Rectangle 7"/>
-          <p:cNvSpPr/>
-          <p:nvPr/>
-        </p:nvSpPr>
-        <p:spPr>
-          <a:xfrm>
-            <a:off x="5243384" y="5047732"/>
-            <a:ext cx="3369275" cy="518985"/>
-          </a:xfrm>
-          <a:prstGeom prst="roundRect">
-            <a:avLst>
-              <a:gd name="adj" fmla="val 4678"/>
-            </a:avLst>
-          </a:prstGeom>
-          <a:effectLst>
-            <a:outerShdw blurRad="63500" sx="102000" sy="102000" algn="ctr" rotWithShape="0">
-              <a:prstClr val="black">
-                <a:alpha val="40000"/>
-              </a:prstClr>
-            </a:outerShdw>
-          </a:effectLst>
-        </p:spPr>
-        <p:style>
-          <a:lnRef idx="1">
-            <a:schemeClr val="accent2"/>
-          </a:lnRef>
-          <a:fillRef idx="3">
-            <a:schemeClr val="accent2"/>
-          </a:fillRef>
-          <a:effectRef idx="2">
-            <a:schemeClr val="accent2"/>
-          </a:effectRef>
-          <a:fontRef idx="minor">
-            <a:schemeClr val="lt1"/>
-          </a:fontRef>
-        </p:style>
-        <p:txBody>
-          <a:bodyPr rtlCol="0" anchor="ctr"/>
-          <a:lstStyle/>
-          <a:p>
-            <a:r>
-              <a:rPr lang="en-US">
-                <a:solidFill>
-                  <a:schemeClr val="tx1"/>
-                </a:solidFill>
-              </a:rPr>
-              <a:t>utility_func_4()</a:t>
-            </a:r>
-          </a:p>
-        </p:txBody>
-      </p:sp>
-      <p:sp>
-        <p:nvSpPr>
-          <p:cNvPr id="9" name="Rounded Rectangle 8"/>
-          <p:cNvSpPr/>
-          <p:nvPr/>
-        </p:nvSpPr>
-        <p:spPr>
-          <a:xfrm>
-            <a:off x="5243384" y="5702639"/>
-            <a:ext cx="3369275" cy="518985"/>
-          </a:xfrm>
-          <a:prstGeom prst="roundRect">
-            <a:avLst>
-              <a:gd name="adj" fmla="val 4678"/>
-            </a:avLst>
-          </a:prstGeom>
-          <a:effectLst>
-            <a:outerShdw blurRad="63500" sx="102000" sy="102000" algn="ctr" rotWithShape="0">
-              <a:prstClr val="black">
-                <a:alpha val="40000"/>
-              </a:prstClr>
-            </a:outerShdw>
-          </a:effectLst>
-        </p:spPr>
-        <p:style>
-          <a:lnRef idx="1">
-            <a:schemeClr val="accent2"/>
-          </a:lnRef>
-          <a:fillRef idx="3">
-            <a:schemeClr val="accent2"/>
-          </a:fillRef>
-          <a:effectRef idx="2">
-            <a:schemeClr val="accent2"/>
-          </a:effectRef>
-          <a:fontRef idx="minor">
-            <a:schemeClr val="lt1"/>
-          </a:fontRef>
-        </p:style>
-        <p:txBody>
-          <a:bodyPr rtlCol="0" anchor="ctr"/>
-          <a:lstStyle/>
-          <a:p>
-            <a:r>
-              <a:rPr lang="en-US">
-                <a:solidFill>
-                  <a:schemeClr val="tx1"/>
-                </a:solidFill>
-              </a:rPr>
-              <a:t>utility_func_5()</a:t>
-            </a:r>
-          </a:p>
-        </p:txBody>
-      </p:sp>
+        </p:grpSpPr>
+        <p:graphicFrame>
+          <p:nvGraphicFramePr>
+            <p:cNvPr id="12" name="Chart 11"/>
+            <p:cNvGraphicFramePr/>
+            <p:nvPr>
+              <p:extLst>
+                <p:ext uri="{D42A27DB-BD31-4B8C-83A1-F6EECF244321}">
+                  <p14:modId xmlns:p14="http://schemas.microsoft.com/office/powerpoint/2010/main" val="3837949124"/>
+                </p:ext>
+              </p:extLst>
+            </p:nvPr>
+          </p:nvGraphicFramePr>
+          <p:xfrm>
+            <a:off x="3098798" y="483124"/>
+            <a:ext cx="12395200" cy="8263467"/>
+          </p:xfrm>
+          <a:graphic>
+            <a:graphicData uri="http://schemas.openxmlformats.org/drawingml/2006/chart">
+              <c:chart xmlns:c="http://schemas.openxmlformats.org/drawingml/2006/chart" xmlns:r="http://schemas.openxmlformats.org/officeDocument/2006/relationships" r:id="rId2"/>
+            </a:graphicData>
+          </a:graphic>
+        </p:graphicFrame>
+        <p:graphicFrame>
+          <p:nvGraphicFramePr>
+            <p:cNvPr id="13" name="Chart 12"/>
+            <p:cNvGraphicFramePr/>
+            <p:nvPr>
+              <p:extLst>
+                <p:ext uri="{D42A27DB-BD31-4B8C-83A1-F6EECF244321}">
+                  <p14:modId xmlns:p14="http://schemas.microsoft.com/office/powerpoint/2010/main" val="1818019246"/>
+                </p:ext>
+              </p:extLst>
+            </p:nvPr>
+          </p:nvGraphicFramePr>
+          <p:xfrm>
+            <a:off x="4892854" y="1679162"/>
+            <a:ext cx="8807089" cy="5871393"/>
+          </p:xfrm>
+          <a:graphic>
+            <a:graphicData uri="http://schemas.openxmlformats.org/drawingml/2006/chart">
+              <c:chart xmlns:c="http://schemas.openxmlformats.org/drawingml/2006/chart" xmlns:r="http://schemas.openxmlformats.org/officeDocument/2006/relationships" r:id="rId3"/>
+            </a:graphicData>
+          </a:graphic>
+        </p:graphicFrame>
+        <p:sp>
+          <p:nvSpPr>
+            <p:cNvPr id="14" name="Oval 13"/>
+            <p:cNvSpPr/>
+            <p:nvPr/>
+          </p:nvSpPr>
+          <p:spPr>
+            <a:xfrm>
+              <a:off x="7672385" y="2990844"/>
+              <a:ext cx="3248026" cy="3248026"/>
+            </a:xfrm>
+            <a:prstGeom prst="ellipse">
+              <a:avLst/>
+            </a:prstGeom>
+            <a:gradFill flip="none" rotWithShape="1">
+              <a:gsLst>
+                <a:gs pos="0">
+                  <a:schemeClr val="accent5">
+                    <a:lumMod val="67000"/>
+                  </a:schemeClr>
+                </a:gs>
+                <a:gs pos="48000">
+                  <a:schemeClr val="accent5">
+                    <a:lumMod val="97000"/>
+                    <a:lumOff val="3000"/>
+                  </a:schemeClr>
+                </a:gs>
+                <a:gs pos="100000">
+                  <a:schemeClr val="accent5">
+                    <a:lumMod val="60000"/>
+                    <a:lumOff val="40000"/>
+                  </a:schemeClr>
+                </a:gs>
+              </a:gsLst>
+              <a:lin ang="16200000" scaled="1"/>
+              <a:tileRect/>
+            </a:gradFill>
+            <a:ln w="63500">
+              <a:solidFill>
+                <a:schemeClr val="bg1"/>
+              </a:solidFill>
+            </a:ln>
+          </p:spPr>
+          <p:style>
+            <a:lnRef idx="2">
+              <a:schemeClr val="accent1">
+                <a:shade val="50000"/>
+              </a:schemeClr>
+            </a:lnRef>
+            <a:fillRef idx="1">
+              <a:schemeClr val="accent1"/>
+            </a:fillRef>
+            <a:effectRef idx="0">
+              <a:schemeClr val="accent1"/>
+            </a:effectRef>
+            <a:fontRef idx="minor">
+              <a:schemeClr val="lt1"/>
+            </a:fontRef>
+          </p:style>
+          <p:txBody>
+            <a:bodyPr rtlCol="0" anchor="ctr"/>
+            <a:lstStyle/>
+            <a:p>
+              <a:pPr algn="ctr"/>
+              <a:endParaRPr lang="en-US"/>
+            </a:p>
+          </p:txBody>
+        </p:sp>
+      </p:grpSp>
     </p:spTree>
     <p:extLst>
       <p:ext uri="{BB962C8B-B14F-4D97-AF65-F5344CB8AC3E}">
